--- a/res/CellScope Tutorial.pptx
+++ b/res/CellScope Tutorial.pptx
@@ -13,7 +13,6 @@
     <p:sldId id="261" r:id="rId7"/>
     <p:sldId id="262" r:id="rId8"/>
     <p:sldId id="263" r:id="rId9"/>
-    <p:sldId id="264" r:id="rId10"/>
   </p:sldIdLst>
   <p:sldSz cx="12192000" cy="6858000"/>
   <p:notesSz cx="6858000" cy="9144000"/>
@@ -123,7 +122,7 @@
 <file path=ppt/revisionInfo.xml><?xml version="1.0" encoding="utf-8"?>
 <p1510:revInfo xmlns:a="http://schemas.openxmlformats.org/drawingml/2006/main" xmlns:r="http://schemas.openxmlformats.org/officeDocument/2006/relationships" xmlns:p1510="http://schemas.microsoft.com/office/powerpoint/2015/10/main">
   <p1510:revLst>
-    <p1510:client id="{30C469FD-4936-4B2E-8C87-B6FB31CEE20B}" v="571" dt="2024-02-28T14:30:38.157"/>
+    <p1510:client id="{30C469FD-4936-4B2E-8C87-B6FB31CEE20B}" v="599" dt="2024-02-29T06:36:34.639"/>
   </p1510:revLst>
 </p1510:revInfo>
 </file>
@@ -133,12 +132,12 @@
   <pc:docChgLst>
     <pc:chgData name="皓宇 邓" userId="37381e97b004bd73" providerId="LiveId" clId="{30C469FD-4936-4B2E-8C87-B6FB31CEE20B}"/>
     <pc:docChg chg="undo custSel addSld delSld modSld">
-      <pc:chgData name="皓宇 邓" userId="37381e97b004bd73" providerId="LiveId" clId="{30C469FD-4936-4B2E-8C87-B6FB31CEE20B}" dt="2024-02-28T14:30:38.157" v="1617"/>
+      <pc:chgData name="皓宇 邓" userId="37381e97b004bd73" providerId="LiveId" clId="{30C469FD-4936-4B2E-8C87-B6FB31CEE20B}" dt="2024-02-29T06:36:44.933" v="1718" actId="20577"/>
       <pc:docMkLst>
         <pc:docMk/>
       </pc:docMkLst>
       <pc:sldChg chg="modSp new mod">
-        <pc:chgData name="皓宇 邓" userId="37381e97b004bd73" providerId="LiveId" clId="{30C469FD-4936-4B2E-8C87-B6FB31CEE20B}" dt="2024-02-28T14:30:38.157" v="1617"/>
+        <pc:chgData name="皓宇 邓" userId="37381e97b004bd73" providerId="LiveId" clId="{30C469FD-4936-4B2E-8C87-B6FB31CEE20B}" dt="2024-02-29T06:36:44.933" v="1718" actId="20577"/>
         <pc:sldMkLst>
           <pc:docMk/>
           <pc:sldMk cId="3209764441" sldId="256"/>
@@ -152,7 +151,7 @@
           </ac:spMkLst>
         </pc:spChg>
         <pc:spChg chg="mod">
-          <ac:chgData name="皓宇 邓" userId="37381e97b004bd73" providerId="LiveId" clId="{30C469FD-4936-4B2E-8C87-B6FB31CEE20B}" dt="2024-02-28T14:15:42" v="866" actId="20577"/>
+          <ac:chgData name="皓宇 邓" userId="37381e97b004bd73" providerId="LiveId" clId="{30C469FD-4936-4B2E-8C87-B6FB31CEE20B}" dt="2024-02-29T06:36:44.933" v="1718" actId="20577"/>
           <ac:spMkLst>
             <pc:docMk/>
             <pc:sldMk cId="3209764441" sldId="256"/>
@@ -278,7 +277,7 @@
         </pc:picChg>
       </pc:sldChg>
       <pc:sldChg chg="addSp delSp modSp new mod">
-        <pc:chgData name="皓宇 邓" userId="37381e97b004bd73" providerId="LiveId" clId="{30C469FD-4936-4B2E-8C87-B6FB31CEE20B}" dt="2024-02-28T14:30:08.212" v="1614"/>
+        <pc:chgData name="皓宇 邓" userId="37381e97b004bd73" providerId="LiveId" clId="{30C469FD-4936-4B2E-8C87-B6FB31CEE20B}" dt="2024-02-29T06:35:30.814" v="1641" actId="20577"/>
         <pc:sldMkLst>
           <pc:docMk/>
           <pc:sldMk cId="1944227685" sldId="260"/>
@@ -292,7 +291,7 @@
           </ac:spMkLst>
         </pc:spChg>
         <pc:spChg chg="mod">
-          <ac:chgData name="皓宇 邓" userId="37381e97b004bd73" providerId="LiveId" clId="{30C469FD-4936-4B2E-8C87-B6FB31CEE20B}" dt="2024-02-28T14:30:08.212" v="1614"/>
+          <ac:chgData name="皓宇 邓" userId="37381e97b004bd73" providerId="LiveId" clId="{30C469FD-4936-4B2E-8C87-B6FB31CEE20B}" dt="2024-02-29T06:35:30.814" v="1641" actId="20577"/>
           <ac:spMkLst>
             <pc:docMk/>
             <pc:sldMk cId="1944227685" sldId="260"/>
@@ -340,7 +339,7 @@
         </pc:picChg>
       </pc:sldChg>
       <pc:sldChg chg="modSp new mod">
-        <pc:chgData name="皓宇 邓" userId="37381e97b004bd73" providerId="LiveId" clId="{30C469FD-4936-4B2E-8C87-B6FB31CEE20B}" dt="2024-02-28T14:29:58.454" v="1602"/>
+        <pc:chgData name="皓宇 邓" userId="37381e97b004bd73" providerId="LiveId" clId="{30C469FD-4936-4B2E-8C87-B6FB31CEE20B}" dt="2024-02-29T06:36:34.639" v="1716"/>
         <pc:sldMkLst>
           <pc:docMk/>
           <pc:sldMk cId="2917425663" sldId="262"/>
@@ -354,7 +353,7 @@
           </ac:spMkLst>
         </pc:spChg>
         <pc:spChg chg="mod">
-          <ac:chgData name="皓宇 邓" userId="37381e97b004bd73" providerId="LiveId" clId="{30C469FD-4936-4B2E-8C87-B6FB31CEE20B}" dt="2024-02-28T14:29:58.454" v="1602"/>
+          <ac:chgData name="皓宇 邓" userId="37381e97b004bd73" providerId="LiveId" clId="{30C469FD-4936-4B2E-8C87-B6FB31CEE20B}" dt="2024-02-29T06:36:34.639" v="1716"/>
           <ac:spMkLst>
             <pc:docMk/>
             <pc:sldMk cId="2917425663" sldId="262"/>
@@ -385,8 +384,8 @@
           </ac:picMkLst>
         </pc:picChg>
       </pc:sldChg>
-      <pc:sldChg chg="addSp modSp new mod">
-        <pc:chgData name="皓宇 邓" userId="37381e97b004bd73" providerId="LiveId" clId="{30C469FD-4936-4B2E-8C87-B6FB31CEE20B}" dt="2024-02-28T14:28:47.188" v="1585" actId="1076"/>
+      <pc:sldChg chg="addSp modSp new del mod">
+        <pc:chgData name="皓宇 邓" userId="37381e97b004bd73" providerId="LiveId" clId="{30C469FD-4936-4B2E-8C87-B6FB31CEE20B}" dt="2024-02-29T06:34:51.673" v="1618" actId="47"/>
         <pc:sldMkLst>
           <pc:docMk/>
           <pc:sldMk cId="3222044717" sldId="264"/>
@@ -575,7 +574,7 @@
           <a:p>
             <a:fld id="{40B6B826-80FC-4091-9F58-A452AB6013D7}" type="datetimeFigureOut">
               <a:rPr lang="zh-CN" altLang="en-US" smtClean="0"/>
-              <a:t>2024/2/28</a:t>
+              <a:t>2024/2/29</a:t>
             </a:fld>
             <a:endParaRPr lang="zh-CN" altLang="en-US"/>
           </a:p>
@@ -773,7 +772,7 @@
           <a:p>
             <a:fld id="{40B6B826-80FC-4091-9F58-A452AB6013D7}" type="datetimeFigureOut">
               <a:rPr lang="zh-CN" altLang="en-US" smtClean="0"/>
-              <a:t>2024/2/28</a:t>
+              <a:t>2024/2/29</a:t>
             </a:fld>
             <a:endParaRPr lang="zh-CN" altLang="en-US"/>
           </a:p>
@@ -981,7 +980,7 @@
           <a:p>
             <a:fld id="{40B6B826-80FC-4091-9F58-A452AB6013D7}" type="datetimeFigureOut">
               <a:rPr lang="zh-CN" altLang="en-US" smtClean="0"/>
-              <a:t>2024/2/28</a:t>
+              <a:t>2024/2/29</a:t>
             </a:fld>
             <a:endParaRPr lang="zh-CN" altLang="en-US"/>
           </a:p>
@@ -1179,7 +1178,7 @@
           <a:p>
             <a:fld id="{40B6B826-80FC-4091-9F58-A452AB6013D7}" type="datetimeFigureOut">
               <a:rPr lang="zh-CN" altLang="en-US" smtClean="0"/>
-              <a:t>2024/2/28</a:t>
+              <a:t>2024/2/29</a:t>
             </a:fld>
             <a:endParaRPr lang="zh-CN" altLang="en-US"/>
           </a:p>
@@ -1454,7 +1453,7 @@
           <a:p>
             <a:fld id="{40B6B826-80FC-4091-9F58-A452AB6013D7}" type="datetimeFigureOut">
               <a:rPr lang="zh-CN" altLang="en-US" smtClean="0"/>
-              <a:t>2024/2/28</a:t>
+              <a:t>2024/2/29</a:t>
             </a:fld>
             <a:endParaRPr lang="zh-CN" altLang="en-US"/>
           </a:p>
@@ -1719,7 +1718,7 @@
           <a:p>
             <a:fld id="{40B6B826-80FC-4091-9F58-A452AB6013D7}" type="datetimeFigureOut">
               <a:rPr lang="zh-CN" altLang="en-US" smtClean="0"/>
-              <a:t>2024/2/28</a:t>
+              <a:t>2024/2/29</a:t>
             </a:fld>
             <a:endParaRPr lang="zh-CN" altLang="en-US"/>
           </a:p>
@@ -2131,7 +2130,7 @@
           <a:p>
             <a:fld id="{40B6B826-80FC-4091-9F58-A452AB6013D7}" type="datetimeFigureOut">
               <a:rPr lang="zh-CN" altLang="en-US" smtClean="0"/>
-              <a:t>2024/2/28</a:t>
+              <a:t>2024/2/29</a:t>
             </a:fld>
             <a:endParaRPr lang="zh-CN" altLang="en-US"/>
           </a:p>
@@ -2272,7 +2271,7 @@
           <a:p>
             <a:fld id="{40B6B826-80FC-4091-9F58-A452AB6013D7}" type="datetimeFigureOut">
               <a:rPr lang="zh-CN" altLang="en-US" smtClean="0"/>
-              <a:t>2024/2/28</a:t>
+              <a:t>2024/2/29</a:t>
             </a:fld>
             <a:endParaRPr lang="zh-CN" altLang="en-US"/>
           </a:p>
@@ -2385,7 +2384,7 @@
           <a:p>
             <a:fld id="{40B6B826-80FC-4091-9F58-A452AB6013D7}" type="datetimeFigureOut">
               <a:rPr lang="zh-CN" altLang="en-US" smtClean="0"/>
-              <a:t>2024/2/28</a:t>
+              <a:t>2024/2/29</a:t>
             </a:fld>
             <a:endParaRPr lang="zh-CN" altLang="en-US"/>
           </a:p>
@@ -2696,7 +2695,7 @@
           <a:p>
             <a:fld id="{40B6B826-80FC-4091-9F58-A452AB6013D7}" type="datetimeFigureOut">
               <a:rPr lang="zh-CN" altLang="en-US" smtClean="0"/>
-              <a:t>2024/2/28</a:t>
+              <a:t>2024/2/29</a:t>
             </a:fld>
             <a:endParaRPr lang="zh-CN" altLang="en-US"/>
           </a:p>
@@ -2984,7 +2983,7 @@
           <a:p>
             <a:fld id="{40B6B826-80FC-4091-9F58-A452AB6013D7}" type="datetimeFigureOut">
               <a:rPr lang="zh-CN" altLang="en-US" smtClean="0"/>
-              <a:t>2024/2/28</a:t>
+              <a:t>2024/2/29</a:t>
             </a:fld>
             <a:endParaRPr lang="zh-CN" altLang="en-US"/>
           </a:p>
@@ -3225,7 +3224,7 @@
           <a:p>
             <a:fld id="{40B6B826-80FC-4091-9F58-A452AB6013D7}" type="datetimeFigureOut">
               <a:rPr lang="zh-CN" altLang="en-US" smtClean="0"/>
-              <a:t>2024/2/28</a:t>
+              <a:t>2024/2/29</a:t>
             </a:fld>
             <a:endParaRPr lang="zh-CN" altLang="en-US"/>
           </a:p>
@@ -3696,11 +3695,11 @@
           <a:lstStyle/>
           <a:p>
             <a:r>
-              <a:rPr lang="en-US" altLang="zh-CN" dirty="0"/>
-              <a:t>Beta0.1</a:t>
-            </a:r>
-            <a:r>
-              <a:rPr lang="zh-CN" altLang="en-US" dirty="0"/>
+              <a:rPr lang="en-US" altLang="zh-CN"/>
+              <a:t>Beta0.2</a:t>
+            </a:r>
+            <a:r>
+              <a:rPr lang="zh-CN" altLang="en-US"/>
               <a:t>版本</a:t>
             </a:r>
             <a:endParaRPr lang="en-US" altLang="zh-CN" dirty="0"/>
@@ -4038,8 +4037,8 @@
           </a:p>
         </p:txBody>
       </p:sp>
-      <mc:AlternateContent xmlns:mc="http://schemas.openxmlformats.org/markup-compatibility/2006">
-        <mc:Choice xmlns:a14="http://schemas.microsoft.com/office/drawing/2010/main" Requires="a14">
+      <mc:AlternateContent xmlns:mc="http://schemas.openxmlformats.org/markup-compatibility/2006" xmlns:a14="http://schemas.microsoft.com/office/drawing/2010/main">
+        <mc:Choice Requires="a14">
           <p:sp>
             <p:nvSpPr>
               <p:cNvPr id="3" name="内容占位符 2">
@@ -4171,7 +4170,7 @@
             </p:txBody>
           </p:sp>
         </mc:Choice>
-        <mc:Fallback>
+        <mc:Fallback xmlns="">
           <p:sp>
             <p:nvSpPr>
               <p:cNvPr id="3" name="内容占位符 2">
@@ -4642,7 +4641,7 @@
           <a:p>
             <a:r>
               <a:rPr lang="zh-CN" altLang="en-US" sz="2400" dirty="0"/>
-              <a:t>点击</a:t>
+              <a:t>点击 </a:t>
             </a:r>
             <a:r>
               <a:rPr lang="en-US" altLang="zh-CN" sz="2400" dirty="0"/>
@@ -4658,7 +4657,7 @@
             </a:r>
             <a:r>
               <a:rPr lang="zh-CN" altLang="en-US" sz="2400" dirty="0"/>
-              <a:t>提示请带着日志联系开发者（日志获取方式稍后讲解）。</a:t>
+              <a:t>提示请联系开发者。</a:t>
             </a:r>
             <a:endParaRPr lang="en-US" altLang="zh-CN" sz="2400" dirty="0"/>
           </a:p>
@@ -4993,7 +4992,15 @@
             </a:r>
             <a:r>
               <a:rPr lang="zh-CN" altLang="en-US" dirty="0"/>
-              <a:t>层的渲染后可以查看当前视图的细胞面积等统计信息。</a:t>
+              <a:t>层的渲染后可以查看当前视图的细胞面积等统计信息。注意，在</a:t>
+            </a:r>
+            <a:r>
+              <a:rPr lang="en-US" altLang="zh-CN" dirty="0"/>
+              <a:t>beta0.2</a:t>
+            </a:r>
+            <a:r>
+              <a:rPr lang="zh-CN" altLang="en-US" dirty="0"/>
+              <a:t>版本中，细胞数计数似乎并不准确，还需要考察。</a:t>
             </a:r>
             <a:endParaRPr lang="en-US" altLang="zh-CN" dirty="0"/>
           </a:p>
@@ -5122,158 +5129,6 @@
     <p:extLst>
       <p:ext uri="{BB962C8B-B14F-4D97-AF65-F5344CB8AC3E}">
         <p14:creationId xmlns:p14="http://schemas.microsoft.com/office/powerpoint/2010/main" val="3225849054"/>
-      </p:ext>
-    </p:extLst>
-  </p:cSld>
-  <p:clrMapOvr>
-    <a:masterClrMapping/>
-  </p:clrMapOvr>
-</p:sld>
-</file>
-
-<file path=ppt/slides/slide9.xml><?xml version="1.0" encoding="utf-8"?>
-<p:sld xmlns:a="http://schemas.openxmlformats.org/drawingml/2006/main" xmlns:r="http://schemas.openxmlformats.org/officeDocument/2006/relationships" xmlns:p="http://schemas.openxmlformats.org/presentationml/2006/main">
-  <p:cSld>
-    <p:spTree>
-      <p:nvGrpSpPr>
-        <p:cNvPr id="1" name=""/>
-        <p:cNvGrpSpPr/>
-        <p:nvPr/>
-      </p:nvGrpSpPr>
-      <p:grpSpPr>
-        <a:xfrm>
-          <a:off x="0" y="0"/>
-          <a:ext cx="0" cy="0"/>
-          <a:chOff x="0" y="0"/>
-          <a:chExt cx="0" cy="0"/>
-        </a:xfrm>
-      </p:grpSpPr>
-      <p:sp>
-        <p:nvSpPr>
-          <p:cNvPr id="2" name="标题 1">
-            <a:extLst>
-              <a:ext uri="{FF2B5EF4-FFF2-40B4-BE49-F238E27FC236}">
-                <a16:creationId xmlns:a16="http://schemas.microsoft.com/office/drawing/2014/main" id="{AC8C9751-64BA-CFAA-3592-FD41FD58991D}"/>
-              </a:ext>
-            </a:extLst>
-          </p:cNvPr>
-          <p:cNvSpPr>
-            <a:spLocks noGrp="1"/>
-          </p:cNvSpPr>
-          <p:nvPr>
-            <p:ph type="title"/>
-          </p:nvPr>
-        </p:nvSpPr>
-        <p:spPr/>
-        <p:txBody>
-          <a:bodyPr/>
-          <a:lstStyle/>
-          <a:p>
-            <a:r>
-              <a:rPr lang="zh-CN" altLang="en-US" dirty="0"/>
-              <a:t>错误日志获取</a:t>
-            </a:r>
-          </a:p>
-        </p:txBody>
-      </p:sp>
-      <p:sp>
-        <p:nvSpPr>
-          <p:cNvPr id="3" name="内容占位符 2">
-            <a:extLst>
-              <a:ext uri="{FF2B5EF4-FFF2-40B4-BE49-F238E27FC236}">
-                <a16:creationId xmlns:a16="http://schemas.microsoft.com/office/drawing/2014/main" id="{D56DCA6D-A33C-755F-8AF9-8FEA2BD69B01}"/>
-              </a:ext>
-            </a:extLst>
-          </p:cNvPr>
-          <p:cNvSpPr>
-            <a:spLocks noGrp="1"/>
-          </p:cNvSpPr>
-          <p:nvPr>
-            <p:ph idx="1"/>
-          </p:nvPr>
-        </p:nvSpPr>
-        <p:spPr/>
-        <p:txBody>
-          <a:bodyPr/>
-          <a:lstStyle/>
-          <a:p>
-            <a:r>
-              <a:rPr lang="zh-CN" altLang="en-US" dirty="0"/>
-              <a:t>软件安装目录下有一个“</a:t>
-            </a:r>
-            <a:r>
-              <a:rPr lang="en-US" altLang="zh-CN" dirty="0"/>
-              <a:t>Debug.bat</a:t>
-            </a:r>
-            <a:r>
-              <a:rPr lang="zh-CN" altLang="en-US" dirty="0"/>
-              <a:t>”文件，双击运行可以以调试模式运行。调试模式下</a:t>
-            </a:r>
-            <a:r>
-              <a:rPr lang="zh-CN" altLang="en-US" dirty="0">
-                <a:solidFill>
-                  <a:srgbClr val="FF0000"/>
-                </a:solidFill>
-              </a:rPr>
-              <a:t>重新按照出错步骤进行操作</a:t>
-            </a:r>
-            <a:r>
-              <a:rPr lang="zh-CN" altLang="en-US" dirty="0"/>
-              <a:t>！完成后，安装目录下会出现</a:t>
-            </a:r>
-            <a:r>
-              <a:rPr lang="en-US" altLang="zh-CN" dirty="0"/>
-              <a:t>log.txt</a:t>
-            </a:r>
-            <a:r>
-              <a:rPr lang="zh-CN" altLang="en-US" dirty="0"/>
-              <a:t>文件，该文件是日志文件，请将日志提交开发者以供定位</a:t>
-            </a:r>
-            <a:r>
-              <a:rPr lang="en-US" altLang="zh-CN" dirty="0"/>
-              <a:t>bug</a:t>
-            </a:r>
-            <a:r>
-              <a:rPr lang="zh-CN" altLang="en-US" dirty="0"/>
-              <a:t>。</a:t>
-            </a:r>
-          </a:p>
-        </p:txBody>
-      </p:sp>
-      <p:pic>
-        <p:nvPicPr>
-          <p:cNvPr id="5" name="图片 4">
-            <a:extLst>
-              <a:ext uri="{FF2B5EF4-FFF2-40B4-BE49-F238E27FC236}">
-                <a16:creationId xmlns:a16="http://schemas.microsoft.com/office/drawing/2014/main" id="{6B7A784A-4994-45F8-F5E0-840EAF422104}"/>
-              </a:ext>
-            </a:extLst>
-          </p:cNvPr>
-          <p:cNvPicPr>
-            <a:picLocks noChangeAspect="1"/>
-          </p:cNvPicPr>
-          <p:nvPr/>
-        </p:nvPicPr>
-        <p:blipFill>
-          <a:blip r:embed="rId2"/>
-          <a:stretch>
-            <a:fillRect/>
-          </a:stretch>
-        </p:blipFill>
-        <p:spPr>
-          <a:xfrm>
-            <a:off x="1356327" y="3933520"/>
-            <a:ext cx="9479346" cy="750448"/>
-          </a:xfrm>
-          <a:prstGeom prst="rect">
-            <a:avLst/>
-          </a:prstGeom>
-        </p:spPr>
-      </p:pic>
-    </p:spTree>
-    <p:extLst>
-      <p:ext uri="{BB962C8B-B14F-4D97-AF65-F5344CB8AC3E}">
-        <p14:creationId xmlns:p14="http://schemas.microsoft.com/office/powerpoint/2010/main" val="3222044717"/>
       </p:ext>
     </p:extLst>
   </p:cSld>
